--- a/TaskManagement-WebAPI/WebAPI.pptx
+++ b/TaskManagement-WebAPI/WebAPI.pptx
@@ -22,15 +22,11 @@
     <p:sldId id="269" r:id="rId16"/>
     <p:sldId id="272" r:id="rId17"/>
     <p:sldId id="273" r:id="rId18"/>
-    <p:sldId id="274" r:id="rId19"/>
-    <p:sldId id="276" r:id="rId20"/>
-    <p:sldId id="277" r:id="rId21"/>
-    <p:sldId id="278" r:id="rId22"/>
-    <p:sldId id="275" r:id="rId23"/>
-    <p:sldId id="279" r:id="rId24"/>
-    <p:sldId id="280" r:id="rId25"/>
-    <p:sldId id="282" r:id="rId26"/>
-    <p:sldId id="281" r:id="rId27"/>
+    <p:sldId id="275" r:id="rId19"/>
+    <p:sldId id="279" r:id="rId20"/>
+    <p:sldId id="280" r:id="rId21"/>
+    <p:sldId id="282" r:id="rId22"/>
+    <p:sldId id="281" r:id="rId23"/>
   </p:sldIdLst>
   <p:sldSz cx="12192000" cy="6858000"/>
   <p:notesSz cx="6858000" cy="9144000"/>
@@ -8305,1570 +8301,6 @@
             <p:ph type="title"/>
           </p:nvPr>
         </p:nvSpPr>
-        <p:spPr>
-          <a:xfrm>
-            <a:off x="4296834" y="2362200"/>
-            <a:ext cx="8596668" cy="1320800"/>
-          </a:xfrm>
-        </p:spPr>
-        <p:txBody>
-          <a:bodyPr/>
-          <a:lstStyle/>
-          <a:p>
-            <a:r>
-              <a:rPr lang="en-US" dirty="0" err="1" smtClean="0"/>
-              <a:t>Manjan</a:t>
-            </a:r>
-            <a:r>
-              <a:rPr lang="en-US" dirty="0" smtClean="0"/>
-              <a:t> Sellers</a:t>
-            </a:r>
-            <a:endParaRPr lang="en-US" dirty="0"/>
-          </a:p>
-        </p:txBody>
-      </p:sp>
-      <p:sp>
-        <p:nvSpPr>
-          <p:cNvPr id="3" name="Content Placeholder 2"/>
-          <p:cNvSpPr>
-            <a:spLocks noGrp="1"/>
-          </p:cNvSpPr>
-          <p:nvPr>
-            <p:ph idx="1"/>
-          </p:nvPr>
-        </p:nvSpPr>
-        <p:spPr>
-          <a:xfrm>
-            <a:off x="677334" y="1270000"/>
-            <a:ext cx="8596668" cy="3880773"/>
-          </a:xfrm>
-        </p:spPr>
-        <p:txBody>
-          <a:bodyPr/>
-          <a:lstStyle/>
-          <a:p>
-            <a:endParaRPr lang="en-US" sz="1600" dirty="0" smtClean="0"/>
-          </a:p>
-          <a:p>
-            <a:endParaRPr lang="en-US" sz="1600" dirty="0" smtClean="0"/>
-          </a:p>
-        </p:txBody>
-      </p:sp>
-      <p:sp>
-        <p:nvSpPr>
-          <p:cNvPr id="6" name="Content Placeholder 2"/>
-          <p:cNvSpPr txBox="1">
-            <a:spLocks/>
-          </p:cNvSpPr>
-          <p:nvPr/>
-        </p:nvSpPr>
-        <p:spPr>
-          <a:xfrm>
-            <a:off x="3315759" y="3022600"/>
-            <a:ext cx="8596668" cy="3880773"/>
-          </a:xfrm>
-          <a:prstGeom prst="rect">
-            <a:avLst/>
-          </a:prstGeom>
-        </p:spPr>
-        <p:txBody>
-          <a:bodyPr vert="horz" lIns="91440" tIns="45720" rIns="91440" bIns="45720" rtlCol="0">
-            <a:normAutofit/>
-          </a:bodyPr>
-          <a:lstStyle>
-            <a:lvl1pPr marL="342900" indent="-342900" algn="l" defTabSz="457200" rtl="0" eaLnBrk="1" latinLnBrk="0" hangingPunct="1">
-              <a:spcBef>
-                <a:spcPts val="1000"/>
-              </a:spcBef>
-              <a:spcAft>
-                <a:spcPts val="0"/>
-              </a:spcAft>
-              <a:buClr>
-                <a:schemeClr val="accent1"/>
-              </a:buClr>
-              <a:buSzPct val="80000"/>
-              <a:buFont typeface="Wingdings 3" charset="2"/>
-              <a:buChar char=""/>
-              <a:defRPr sz="1800" kern="1200">
-                <a:solidFill>
-                  <a:schemeClr val="tx1">
-                    <a:lumMod val="75000"/>
-                    <a:lumOff val="25000"/>
-                  </a:schemeClr>
-                </a:solidFill>
-                <a:latin typeface="+mn-lt"/>
-                <a:ea typeface="+mn-ea"/>
-                <a:cs typeface="+mn-cs"/>
-              </a:defRPr>
-            </a:lvl1pPr>
-            <a:lvl2pPr marL="742950" indent="-285750" algn="l" defTabSz="457200" rtl="0" eaLnBrk="1" latinLnBrk="0" hangingPunct="1">
-              <a:spcBef>
-                <a:spcPts val="1000"/>
-              </a:spcBef>
-              <a:spcAft>
-                <a:spcPts val="0"/>
-              </a:spcAft>
-              <a:buClr>
-                <a:schemeClr val="accent1"/>
-              </a:buClr>
-              <a:buSzPct val="80000"/>
-              <a:buFont typeface="Wingdings 3" charset="2"/>
-              <a:buChar char=""/>
-              <a:defRPr sz="1600" kern="1200">
-                <a:solidFill>
-                  <a:schemeClr val="tx1">
-                    <a:lumMod val="75000"/>
-                    <a:lumOff val="25000"/>
-                  </a:schemeClr>
-                </a:solidFill>
-                <a:latin typeface="+mn-lt"/>
-                <a:ea typeface="+mn-ea"/>
-                <a:cs typeface="+mn-cs"/>
-              </a:defRPr>
-            </a:lvl2pPr>
-            <a:lvl3pPr marL="1143000" indent="-228600" algn="l" defTabSz="457200" rtl="0" eaLnBrk="1" latinLnBrk="0" hangingPunct="1">
-              <a:spcBef>
-                <a:spcPts val="1000"/>
-              </a:spcBef>
-              <a:spcAft>
-                <a:spcPts val="0"/>
-              </a:spcAft>
-              <a:buClr>
-                <a:schemeClr val="accent1"/>
-              </a:buClr>
-              <a:buSzPct val="80000"/>
-              <a:buFont typeface="Wingdings 3" charset="2"/>
-              <a:buChar char=""/>
-              <a:defRPr sz="1400" kern="1200">
-                <a:solidFill>
-                  <a:schemeClr val="tx1">
-                    <a:lumMod val="75000"/>
-                    <a:lumOff val="25000"/>
-                  </a:schemeClr>
-                </a:solidFill>
-                <a:latin typeface="+mn-lt"/>
-                <a:ea typeface="+mn-ea"/>
-                <a:cs typeface="+mn-cs"/>
-              </a:defRPr>
-            </a:lvl3pPr>
-            <a:lvl4pPr marL="1600200" indent="-228600" algn="l" defTabSz="457200" rtl="0" eaLnBrk="1" latinLnBrk="0" hangingPunct="1">
-              <a:spcBef>
-                <a:spcPts val="1000"/>
-              </a:spcBef>
-              <a:spcAft>
-                <a:spcPts val="0"/>
-              </a:spcAft>
-              <a:buClr>
-                <a:schemeClr val="accent1"/>
-              </a:buClr>
-              <a:buSzPct val="80000"/>
-              <a:buFont typeface="Wingdings 3" charset="2"/>
-              <a:buChar char=""/>
-              <a:defRPr sz="1200" kern="1200">
-                <a:solidFill>
-                  <a:schemeClr val="tx1">
-                    <a:lumMod val="75000"/>
-                    <a:lumOff val="25000"/>
-                  </a:schemeClr>
-                </a:solidFill>
-                <a:latin typeface="+mn-lt"/>
-                <a:ea typeface="+mn-ea"/>
-                <a:cs typeface="+mn-cs"/>
-              </a:defRPr>
-            </a:lvl4pPr>
-            <a:lvl5pPr marL="2057400" indent="-228600" algn="l" defTabSz="457200" rtl="0" eaLnBrk="1" latinLnBrk="0" hangingPunct="1">
-              <a:spcBef>
-                <a:spcPts val="1000"/>
-              </a:spcBef>
-              <a:spcAft>
-                <a:spcPts val="0"/>
-              </a:spcAft>
-              <a:buClr>
-                <a:schemeClr val="accent1"/>
-              </a:buClr>
-              <a:buSzPct val="80000"/>
-              <a:buFont typeface="Wingdings 3" charset="2"/>
-              <a:buChar char=""/>
-              <a:defRPr sz="1200" kern="1200">
-                <a:solidFill>
-                  <a:schemeClr val="tx1">
-                    <a:lumMod val="75000"/>
-                    <a:lumOff val="25000"/>
-                  </a:schemeClr>
-                </a:solidFill>
-                <a:latin typeface="+mn-lt"/>
-                <a:ea typeface="+mn-ea"/>
-                <a:cs typeface="+mn-cs"/>
-              </a:defRPr>
-            </a:lvl5pPr>
-            <a:lvl6pPr marL="2514600" indent="-228600" algn="l" defTabSz="457200" rtl="0" eaLnBrk="1" latinLnBrk="0" hangingPunct="1">
-              <a:spcBef>
-                <a:spcPts val="1000"/>
-              </a:spcBef>
-              <a:spcAft>
-                <a:spcPts val="0"/>
-              </a:spcAft>
-              <a:buClr>
-                <a:schemeClr val="accent1"/>
-              </a:buClr>
-              <a:buSzPct val="80000"/>
-              <a:buFont typeface="Wingdings 3" charset="2"/>
-              <a:buChar char=""/>
-              <a:defRPr sz="1200" kern="1200">
-                <a:solidFill>
-                  <a:schemeClr val="tx1">
-                    <a:lumMod val="75000"/>
-                    <a:lumOff val="25000"/>
-                  </a:schemeClr>
-                </a:solidFill>
-                <a:latin typeface="+mn-lt"/>
-                <a:ea typeface="+mn-ea"/>
-                <a:cs typeface="+mn-cs"/>
-              </a:defRPr>
-            </a:lvl6pPr>
-            <a:lvl7pPr marL="2971800" indent="-228600" algn="l" defTabSz="457200" rtl="0" eaLnBrk="1" latinLnBrk="0" hangingPunct="1">
-              <a:spcBef>
-                <a:spcPts val="1000"/>
-              </a:spcBef>
-              <a:spcAft>
-                <a:spcPts val="0"/>
-              </a:spcAft>
-              <a:buClr>
-                <a:schemeClr val="accent1"/>
-              </a:buClr>
-              <a:buSzPct val="80000"/>
-              <a:buFont typeface="Wingdings 3" charset="2"/>
-              <a:buChar char=""/>
-              <a:defRPr sz="1200" kern="1200">
-                <a:solidFill>
-                  <a:schemeClr val="tx1">
-                    <a:lumMod val="75000"/>
-                    <a:lumOff val="25000"/>
-                  </a:schemeClr>
-                </a:solidFill>
-                <a:latin typeface="+mn-lt"/>
-                <a:ea typeface="+mn-ea"/>
-                <a:cs typeface="+mn-cs"/>
-              </a:defRPr>
-            </a:lvl7pPr>
-            <a:lvl8pPr marL="3429000" indent="-228600" algn="l" defTabSz="457200" rtl="0" eaLnBrk="1" latinLnBrk="0" hangingPunct="1">
-              <a:spcBef>
-                <a:spcPts val="1000"/>
-              </a:spcBef>
-              <a:spcAft>
-                <a:spcPts val="0"/>
-              </a:spcAft>
-              <a:buClr>
-                <a:schemeClr val="accent1"/>
-              </a:buClr>
-              <a:buSzPct val="80000"/>
-              <a:buFont typeface="Wingdings 3" charset="2"/>
-              <a:buChar char=""/>
-              <a:defRPr sz="1200" kern="1200">
-                <a:solidFill>
-                  <a:schemeClr val="tx1">
-                    <a:lumMod val="75000"/>
-                    <a:lumOff val="25000"/>
-                  </a:schemeClr>
-                </a:solidFill>
-                <a:latin typeface="+mn-lt"/>
-                <a:ea typeface="+mn-ea"/>
-                <a:cs typeface="+mn-cs"/>
-              </a:defRPr>
-            </a:lvl8pPr>
-            <a:lvl9pPr marL="3886200" indent="-228600" algn="l" defTabSz="457200" rtl="0" eaLnBrk="1" latinLnBrk="0" hangingPunct="1">
-              <a:spcBef>
-                <a:spcPts val="1000"/>
-              </a:spcBef>
-              <a:spcAft>
-                <a:spcPts val="0"/>
-              </a:spcAft>
-              <a:buClr>
-                <a:schemeClr val="accent1"/>
-              </a:buClr>
-              <a:buSzPct val="80000"/>
-              <a:buFont typeface="Wingdings 3" charset="2"/>
-              <a:buChar char=""/>
-              <a:defRPr sz="1200" kern="1200">
-                <a:solidFill>
-                  <a:schemeClr val="tx1">
-                    <a:lumMod val="75000"/>
-                    <a:lumOff val="25000"/>
-                  </a:schemeClr>
-                </a:solidFill>
-                <a:latin typeface="+mn-lt"/>
-                <a:ea typeface="+mn-ea"/>
-                <a:cs typeface="+mn-cs"/>
-              </a:defRPr>
-            </a:lvl9pPr>
-          </a:lstStyle>
-          <a:p>
-            <a:r>
-              <a:rPr lang="en-US" sz="1600" dirty="0" smtClean="0"/>
-              <a:t>Join my f****** </a:t>
-            </a:r>
-            <a:r>
-              <a:rPr lang="en-US" sz="1600" dirty="0" err="1" smtClean="0"/>
-              <a:t>youtube</a:t>
-            </a:r>
-            <a:r>
-              <a:rPr lang="en-US" sz="1600" dirty="0" smtClean="0"/>
-              <a:t> channel for more details</a:t>
-            </a:r>
-          </a:p>
-          <a:p>
-            <a:endParaRPr lang="en-US" sz="1600" dirty="0" smtClean="0"/>
-          </a:p>
-        </p:txBody>
-      </p:sp>
-    </p:spTree>
-    <p:extLst>
-      <p:ext uri="{BB962C8B-B14F-4D97-AF65-F5344CB8AC3E}">
-        <p14:creationId xmlns:p14="http://schemas.microsoft.com/office/powerpoint/2010/main" val="1122306540"/>
-      </p:ext>
-    </p:extLst>
-  </p:cSld>
-  <p:clrMapOvr>
-    <a:masterClrMapping/>
-  </p:clrMapOvr>
-  <p:timing>
-    <p:tnLst>
-      <p:par>
-        <p:cTn id="1" dur="indefinite" restart="never" nodeType="tmRoot"/>
-      </p:par>
-    </p:tnLst>
-  </p:timing>
-</p:sld>
-</file>
-
-<file path=ppt/slides/slide19.xml><?xml version="1.0" encoding="utf-8"?>
-<p:sld xmlns:a="http://schemas.openxmlformats.org/drawingml/2006/main" xmlns:r="http://schemas.openxmlformats.org/officeDocument/2006/relationships" xmlns:p="http://schemas.openxmlformats.org/presentationml/2006/main">
-  <p:cSld>
-    <p:spTree>
-      <p:nvGrpSpPr>
-        <p:cNvPr id="1" name=""/>
-        <p:cNvGrpSpPr/>
-        <p:nvPr/>
-      </p:nvGrpSpPr>
-      <p:grpSpPr>
-        <a:xfrm>
-          <a:off x="0" y="0"/>
-          <a:ext cx="0" cy="0"/>
-          <a:chOff x="0" y="0"/>
-          <a:chExt cx="0" cy="0"/>
-        </a:xfrm>
-      </p:grpSpPr>
-      <p:sp>
-        <p:nvSpPr>
-          <p:cNvPr id="2" name="Title 1"/>
-          <p:cNvSpPr>
-            <a:spLocks noGrp="1"/>
-          </p:cNvSpPr>
-          <p:nvPr>
-            <p:ph type="title"/>
-          </p:nvPr>
-        </p:nvSpPr>
-        <p:spPr>
-          <a:xfrm>
-            <a:off x="4296834" y="2362200"/>
-            <a:ext cx="8596668" cy="1320800"/>
-          </a:xfrm>
-        </p:spPr>
-        <p:txBody>
-          <a:bodyPr/>
-          <a:lstStyle/>
-          <a:p>
-            <a:r>
-              <a:rPr lang="en-US" dirty="0" err="1" smtClean="0"/>
-              <a:t>Manjan</a:t>
-            </a:r>
-            <a:r>
-              <a:rPr lang="en-US" dirty="0" smtClean="0"/>
-              <a:t> Sellers</a:t>
-            </a:r>
-            <a:endParaRPr lang="en-US" dirty="0"/>
-          </a:p>
-        </p:txBody>
-      </p:sp>
-      <p:sp>
-        <p:nvSpPr>
-          <p:cNvPr id="3" name="Content Placeholder 2"/>
-          <p:cNvSpPr>
-            <a:spLocks noGrp="1"/>
-          </p:cNvSpPr>
-          <p:nvPr>
-            <p:ph idx="1"/>
-          </p:nvPr>
-        </p:nvSpPr>
-        <p:spPr>
-          <a:xfrm>
-            <a:off x="677334" y="1270000"/>
-            <a:ext cx="8596668" cy="3880773"/>
-          </a:xfrm>
-        </p:spPr>
-        <p:txBody>
-          <a:bodyPr/>
-          <a:lstStyle/>
-          <a:p>
-            <a:endParaRPr lang="en-US" sz="1600" dirty="0" smtClean="0"/>
-          </a:p>
-          <a:p>
-            <a:endParaRPr lang="en-US" sz="1600" dirty="0" smtClean="0"/>
-          </a:p>
-        </p:txBody>
-      </p:sp>
-      <p:sp>
-        <p:nvSpPr>
-          <p:cNvPr id="6" name="Content Placeholder 2"/>
-          <p:cNvSpPr txBox="1">
-            <a:spLocks/>
-          </p:cNvSpPr>
-          <p:nvPr/>
-        </p:nvSpPr>
-        <p:spPr>
-          <a:xfrm>
-            <a:off x="3315759" y="3022600"/>
-            <a:ext cx="8596668" cy="3880773"/>
-          </a:xfrm>
-          <a:prstGeom prst="rect">
-            <a:avLst/>
-          </a:prstGeom>
-        </p:spPr>
-        <p:txBody>
-          <a:bodyPr vert="horz" lIns="91440" tIns="45720" rIns="91440" bIns="45720" rtlCol="0">
-            <a:normAutofit/>
-          </a:bodyPr>
-          <a:lstStyle>
-            <a:lvl1pPr marL="342900" indent="-342900" algn="l" defTabSz="457200" rtl="0" eaLnBrk="1" latinLnBrk="0" hangingPunct="1">
-              <a:spcBef>
-                <a:spcPts val="1000"/>
-              </a:spcBef>
-              <a:spcAft>
-                <a:spcPts val="0"/>
-              </a:spcAft>
-              <a:buClr>
-                <a:schemeClr val="accent1"/>
-              </a:buClr>
-              <a:buSzPct val="80000"/>
-              <a:buFont typeface="Wingdings 3" charset="2"/>
-              <a:buChar char=""/>
-              <a:defRPr sz="1800" kern="1200">
-                <a:solidFill>
-                  <a:schemeClr val="tx1">
-                    <a:lumMod val="75000"/>
-                    <a:lumOff val="25000"/>
-                  </a:schemeClr>
-                </a:solidFill>
-                <a:latin typeface="+mn-lt"/>
-                <a:ea typeface="+mn-ea"/>
-                <a:cs typeface="+mn-cs"/>
-              </a:defRPr>
-            </a:lvl1pPr>
-            <a:lvl2pPr marL="742950" indent="-285750" algn="l" defTabSz="457200" rtl="0" eaLnBrk="1" latinLnBrk="0" hangingPunct="1">
-              <a:spcBef>
-                <a:spcPts val="1000"/>
-              </a:spcBef>
-              <a:spcAft>
-                <a:spcPts val="0"/>
-              </a:spcAft>
-              <a:buClr>
-                <a:schemeClr val="accent1"/>
-              </a:buClr>
-              <a:buSzPct val="80000"/>
-              <a:buFont typeface="Wingdings 3" charset="2"/>
-              <a:buChar char=""/>
-              <a:defRPr sz="1600" kern="1200">
-                <a:solidFill>
-                  <a:schemeClr val="tx1">
-                    <a:lumMod val="75000"/>
-                    <a:lumOff val="25000"/>
-                  </a:schemeClr>
-                </a:solidFill>
-                <a:latin typeface="+mn-lt"/>
-                <a:ea typeface="+mn-ea"/>
-                <a:cs typeface="+mn-cs"/>
-              </a:defRPr>
-            </a:lvl2pPr>
-            <a:lvl3pPr marL="1143000" indent="-228600" algn="l" defTabSz="457200" rtl="0" eaLnBrk="1" latinLnBrk="0" hangingPunct="1">
-              <a:spcBef>
-                <a:spcPts val="1000"/>
-              </a:spcBef>
-              <a:spcAft>
-                <a:spcPts val="0"/>
-              </a:spcAft>
-              <a:buClr>
-                <a:schemeClr val="accent1"/>
-              </a:buClr>
-              <a:buSzPct val="80000"/>
-              <a:buFont typeface="Wingdings 3" charset="2"/>
-              <a:buChar char=""/>
-              <a:defRPr sz="1400" kern="1200">
-                <a:solidFill>
-                  <a:schemeClr val="tx1">
-                    <a:lumMod val="75000"/>
-                    <a:lumOff val="25000"/>
-                  </a:schemeClr>
-                </a:solidFill>
-                <a:latin typeface="+mn-lt"/>
-                <a:ea typeface="+mn-ea"/>
-                <a:cs typeface="+mn-cs"/>
-              </a:defRPr>
-            </a:lvl3pPr>
-            <a:lvl4pPr marL="1600200" indent="-228600" algn="l" defTabSz="457200" rtl="0" eaLnBrk="1" latinLnBrk="0" hangingPunct="1">
-              <a:spcBef>
-                <a:spcPts val="1000"/>
-              </a:spcBef>
-              <a:spcAft>
-                <a:spcPts val="0"/>
-              </a:spcAft>
-              <a:buClr>
-                <a:schemeClr val="accent1"/>
-              </a:buClr>
-              <a:buSzPct val="80000"/>
-              <a:buFont typeface="Wingdings 3" charset="2"/>
-              <a:buChar char=""/>
-              <a:defRPr sz="1200" kern="1200">
-                <a:solidFill>
-                  <a:schemeClr val="tx1">
-                    <a:lumMod val="75000"/>
-                    <a:lumOff val="25000"/>
-                  </a:schemeClr>
-                </a:solidFill>
-                <a:latin typeface="+mn-lt"/>
-                <a:ea typeface="+mn-ea"/>
-                <a:cs typeface="+mn-cs"/>
-              </a:defRPr>
-            </a:lvl4pPr>
-            <a:lvl5pPr marL="2057400" indent="-228600" algn="l" defTabSz="457200" rtl="0" eaLnBrk="1" latinLnBrk="0" hangingPunct="1">
-              <a:spcBef>
-                <a:spcPts val="1000"/>
-              </a:spcBef>
-              <a:spcAft>
-                <a:spcPts val="0"/>
-              </a:spcAft>
-              <a:buClr>
-                <a:schemeClr val="accent1"/>
-              </a:buClr>
-              <a:buSzPct val="80000"/>
-              <a:buFont typeface="Wingdings 3" charset="2"/>
-              <a:buChar char=""/>
-              <a:defRPr sz="1200" kern="1200">
-                <a:solidFill>
-                  <a:schemeClr val="tx1">
-                    <a:lumMod val="75000"/>
-                    <a:lumOff val="25000"/>
-                  </a:schemeClr>
-                </a:solidFill>
-                <a:latin typeface="+mn-lt"/>
-                <a:ea typeface="+mn-ea"/>
-                <a:cs typeface="+mn-cs"/>
-              </a:defRPr>
-            </a:lvl5pPr>
-            <a:lvl6pPr marL="2514600" indent="-228600" algn="l" defTabSz="457200" rtl="0" eaLnBrk="1" latinLnBrk="0" hangingPunct="1">
-              <a:spcBef>
-                <a:spcPts val="1000"/>
-              </a:spcBef>
-              <a:spcAft>
-                <a:spcPts val="0"/>
-              </a:spcAft>
-              <a:buClr>
-                <a:schemeClr val="accent1"/>
-              </a:buClr>
-              <a:buSzPct val="80000"/>
-              <a:buFont typeface="Wingdings 3" charset="2"/>
-              <a:buChar char=""/>
-              <a:defRPr sz="1200" kern="1200">
-                <a:solidFill>
-                  <a:schemeClr val="tx1">
-                    <a:lumMod val="75000"/>
-                    <a:lumOff val="25000"/>
-                  </a:schemeClr>
-                </a:solidFill>
-                <a:latin typeface="+mn-lt"/>
-                <a:ea typeface="+mn-ea"/>
-                <a:cs typeface="+mn-cs"/>
-              </a:defRPr>
-            </a:lvl6pPr>
-            <a:lvl7pPr marL="2971800" indent="-228600" algn="l" defTabSz="457200" rtl="0" eaLnBrk="1" latinLnBrk="0" hangingPunct="1">
-              <a:spcBef>
-                <a:spcPts val="1000"/>
-              </a:spcBef>
-              <a:spcAft>
-                <a:spcPts val="0"/>
-              </a:spcAft>
-              <a:buClr>
-                <a:schemeClr val="accent1"/>
-              </a:buClr>
-              <a:buSzPct val="80000"/>
-              <a:buFont typeface="Wingdings 3" charset="2"/>
-              <a:buChar char=""/>
-              <a:defRPr sz="1200" kern="1200">
-                <a:solidFill>
-                  <a:schemeClr val="tx1">
-                    <a:lumMod val="75000"/>
-                    <a:lumOff val="25000"/>
-                  </a:schemeClr>
-                </a:solidFill>
-                <a:latin typeface="+mn-lt"/>
-                <a:ea typeface="+mn-ea"/>
-                <a:cs typeface="+mn-cs"/>
-              </a:defRPr>
-            </a:lvl7pPr>
-            <a:lvl8pPr marL="3429000" indent="-228600" algn="l" defTabSz="457200" rtl="0" eaLnBrk="1" latinLnBrk="0" hangingPunct="1">
-              <a:spcBef>
-                <a:spcPts val="1000"/>
-              </a:spcBef>
-              <a:spcAft>
-                <a:spcPts val="0"/>
-              </a:spcAft>
-              <a:buClr>
-                <a:schemeClr val="accent1"/>
-              </a:buClr>
-              <a:buSzPct val="80000"/>
-              <a:buFont typeface="Wingdings 3" charset="2"/>
-              <a:buChar char=""/>
-              <a:defRPr sz="1200" kern="1200">
-                <a:solidFill>
-                  <a:schemeClr val="tx1">
-                    <a:lumMod val="75000"/>
-                    <a:lumOff val="25000"/>
-                  </a:schemeClr>
-                </a:solidFill>
-                <a:latin typeface="+mn-lt"/>
-                <a:ea typeface="+mn-ea"/>
-                <a:cs typeface="+mn-cs"/>
-              </a:defRPr>
-            </a:lvl8pPr>
-            <a:lvl9pPr marL="3886200" indent="-228600" algn="l" defTabSz="457200" rtl="0" eaLnBrk="1" latinLnBrk="0" hangingPunct="1">
-              <a:spcBef>
-                <a:spcPts val="1000"/>
-              </a:spcBef>
-              <a:spcAft>
-                <a:spcPts val="0"/>
-              </a:spcAft>
-              <a:buClr>
-                <a:schemeClr val="accent1"/>
-              </a:buClr>
-              <a:buSzPct val="80000"/>
-              <a:buFont typeface="Wingdings 3" charset="2"/>
-              <a:buChar char=""/>
-              <a:defRPr sz="1200" kern="1200">
-                <a:solidFill>
-                  <a:schemeClr val="tx1">
-                    <a:lumMod val="75000"/>
-                    <a:lumOff val="25000"/>
-                  </a:schemeClr>
-                </a:solidFill>
-                <a:latin typeface="+mn-lt"/>
-                <a:ea typeface="+mn-ea"/>
-                <a:cs typeface="+mn-cs"/>
-              </a:defRPr>
-            </a:lvl9pPr>
-          </a:lstStyle>
-          <a:p>
-            <a:r>
-              <a:rPr lang="en-US" sz="1600" dirty="0" smtClean="0"/>
-              <a:t>Join my f****** </a:t>
-            </a:r>
-            <a:r>
-              <a:rPr lang="en-US" sz="1600" dirty="0" err="1" smtClean="0"/>
-              <a:t>youtube</a:t>
-            </a:r>
-            <a:r>
-              <a:rPr lang="en-US" sz="1600" dirty="0" smtClean="0"/>
-              <a:t> channel for more details</a:t>
-            </a:r>
-          </a:p>
-          <a:p>
-            <a:endParaRPr lang="en-US" sz="1600" dirty="0" smtClean="0"/>
-          </a:p>
-        </p:txBody>
-      </p:sp>
-    </p:spTree>
-    <p:extLst>
-      <p:ext uri="{BB962C8B-B14F-4D97-AF65-F5344CB8AC3E}">
-        <p14:creationId xmlns:p14="http://schemas.microsoft.com/office/powerpoint/2010/main" val="706768463"/>
-      </p:ext>
-    </p:extLst>
-  </p:cSld>
-  <p:clrMapOvr>
-    <a:masterClrMapping/>
-  </p:clrMapOvr>
-  <p:timing>
-    <p:tnLst>
-      <p:par>
-        <p:cTn id="1" dur="indefinite" restart="never" nodeType="tmRoot"/>
-      </p:par>
-    </p:tnLst>
-  </p:timing>
-</p:sld>
-</file>
-
-<file path=ppt/slides/slide2.xml><?xml version="1.0" encoding="utf-8"?>
-<p:sld xmlns:a="http://schemas.openxmlformats.org/drawingml/2006/main" xmlns:r="http://schemas.openxmlformats.org/officeDocument/2006/relationships" xmlns:p="http://schemas.openxmlformats.org/presentationml/2006/main">
-  <p:cSld>
-    <p:spTree>
-      <p:nvGrpSpPr>
-        <p:cNvPr id="1" name=""/>
-        <p:cNvGrpSpPr/>
-        <p:nvPr/>
-      </p:nvGrpSpPr>
-      <p:grpSpPr>
-        <a:xfrm>
-          <a:off x="0" y="0"/>
-          <a:ext cx="0" cy="0"/>
-          <a:chOff x="0" y="0"/>
-          <a:chExt cx="0" cy="0"/>
-        </a:xfrm>
-      </p:grpSpPr>
-      <p:sp>
-        <p:nvSpPr>
-          <p:cNvPr id="2" name="Title 1"/>
-          <p:cNvSpPr>
-            <a:spLocks noGrp="1"/>
-          </p:cNvSpPr>
-          <p:nvPr>
-            <p:ph type="title"/>
-          </p:nvPr>
-        </p:nvSpPr>
-        <p:spPr/>
-        <p:txBody>
-          <a:bodyPr/>
-          <a:lstStyle/>
-          <a:p>
-            <a:r>
-              <a:rPr lang="en-US" dirty="0" smtClean="0"/>
-              <a:t>What is ASP.NET </a:t>
-            </a:r>
-            <a:r>
-              <a:rPr lang="en-US" dirty="0" err="1" smtClean="0"/>
-              <a:t>WebAPI</a:t>
-            </a:r>
-            <a:r>
-              <a:rPr lang="en-US" dirty="0" smtClean="0"/>
-              <a:t>?</a:t>
-            </a:r>
-            <a:endParaRPr lang="en-US" dirty="0"/>
-          </a:p>
-        </p:txBody>
-      </p:sp>
-      <p:sp>
-        <p:nvSpPr>
-          <p:cNvPr id="3" name="Content Placeholder 2"/>
-          <p:cNvSpPr>
-            <a:spLocks noGrp="1"/>
-          </p:cNvSpPr>
-          <p:nvPr>
-            <p:ph idx="1"/>
-          </p:nvPr>
-        </p:nvSpPr>
-        <p:spPr>
-          <a:xfrm>
-            <a:off x="677334" y="1270000"/>
-            <a:ext cx="8596668" cy="3880773"/>
-          </a:xfrm>
-        </p:spPr>
-        <p:txBody>
-          <a:bodyPr/>
-          <a:lstStyle/>
-          <a:p>
-            <a:r>
-              <a:rPr lang="en-US" dirty="0"/>
-              <a:t>The ASP.NET Web API is an extensible framework for building HTTP based services that can be accessed in different applications on different platforms such as web, windows, mobile etc.</a:t>
-            </a:r>
-          </a:p>
-        </p:txBody>
-      </p:sp>
-      <p:pic>
-        <p:nvPicPr>
-          <p:cNvPr id="4" name="Picture 3"/>
-          <p:cNvPicPr>
-            <a:picLocks noChangeAspect="1"/>
-          </p:cNvPicPr>
-          <p:nvPr/>
-        </p:nvPicPr>
-        <p:blipFill>
-          <a:blip r:embed="rId2"/>
-          <a:stretch>
-            <a:fillRect/>
-          </a:stretch>
-        </p:blipFill>
-        <p:spPr>
-          <a:xfrm>
-            <a:off x="1342524" y="2355182"/>
-            <a:ext cx="8801100" cy="4152900"/>
-          </a:xfrm>
-          <a:prstGeom prst="rect">
-            <a:avLst/>
-          </a:prstGeom>
-        </p:spPr>
-      </p:pic>
-    </p:spTree>
-    <p:extLst>
-      <p:ext uri="{BB962C8B-B14F-4D97-AF65-F5344CB8AC3E}">
-        <p14:creationId xmlns:p14="http://schemas.microsoft.com/office/powerpoint/2010/main" val="2073445692"/>
-      </p:ext>
-    </p:extLst>
-  </p:cSld>
-  <p:clrMapOvr>
-    <a:masterClrMapping/>
-  </p:clrMapOvr>
-</p:sld>
-</file>
-
-<file path=ppt/slides/slide20.xml><?xml version="1.0" encoding="utf-8"?>
-<p:sld xmlns:a="http://schemas.openxmlformats.org/drawingml/2006/main" xmlns:r="http://schemas.openxmlformats.org/officeDocument/2006/relationships" xmlns:p="http://schemas.openxmlformats.org/presentationml/2006/main">
-  <p:cSld>
-    <p:spTree>
-      <p:nvGrpSpPr>
-        <p:cNvPr id="1" name=""/>
-        <p:cNvGrpSpPr/>
-        <p:nvPr/>
-      </p:nvGrpSpPr>
-      <p:grpSpPr>
-        <a:xfrm>
-          <a:off x="0" y="0"/>
-          <a:ext cx="0" cy="0"/>
-          <a:chOff x="0" y="0"/>
-          <a:chExt cx="0" cy="0"/>
-        </a:xfrm>
-      </p:grpSpPr>
-      <p:sp>
-        <p:nvSpPr>
-          <p:cNvPr id="2" name="Title 1"/>
-          <p:cNvSpPr>
-            <a:spLocks noGrp="1"/>
-          </p:cNvSpPr>
-          <p:nvPr>
-            <p:ph type="title"/>
-          </p:nvPr>
-        </p:nvSpPr>
-        <p:spPr>
-          <a:xfrm>
-            <a:off x="4296834" y="2362200"/>
-            <a:ext cx="8596668" cy="1320800"/>
-          </a:xfrm>
-        </p:spPr>
-        <p:txBody>
-          <a:bodyPr/>
-          <a:lstStyle/>
-          <a:p>
-            <a:r>
-              <a:rPr lang="en-US" dirty="0" err="1" smtClean="0"/>
-              <a:t>Manjan</a:t>
-            </a:r>
-            <a:r>
-              <a:rPr lang="en-US" dirty="0" smtClean="0"/>
-              <a:t> Sellers</a:t>
-            </a:r>
-            <a:endParaRPr lang="en-US" dirty="0"/>
-          </a:p>
-        </p:txBody>
-      </p:sp>
-      <p:sp>
-        <p:nvSpPr>
-          <p:cNvPr id="3" name="Content Placeholder 2"/>
-          <p:cNvSpPr>
-            <a:spLocks noGrp="1"/>
-          </p:cNvSpPr>
-          <p:nvPr>
-            <p:ph idx="1"/>
-          </p:nvPr>
-        </p:nvSpPr>
-        <p:spPr>
-          <a:xfrm>
-            <a:off x="677334" y="1270000"/>
-            <a:ext cx="8596668" cy="3880773"/>
-          </a:xfrm>
-        </p:spPr>
-        <p:txBody>
-          <a:bodyPr/>
-          <a:lstStyle/>
-          <a:p>
-            <a:endParaRPr lang="en-US" sz="1600" dirty="0" smtClean="0"/>
-          </a:p>
-          <a:p>
-            <a:endParaRPr lang="en-US" sz="1600" dirty="0" smtClean="0"/>
-          </a:p>
-        </p:txBody>
-      </p:sp>
-      <p:sp>
-        <p:nvSpPr>
-          <p:cNvPr id="6" name="Content Placeholder 2"/>
-          <p:cNvSpPr txBox="1">
-            <a:spLocks/>
-          </p:cNvSpPr>
-          <p:nvPr/>
-        </p:nvSpPr>
-        <p:spPr>
-          <a:xfrm>
-            <a:off x="3315759" y="3022600"/>
-            <a:ext cx="8596668" cy="3880773"/>
-          </a:xfrm>
-          <a:prstGeom prst="rect">
-            <a:avLst/>
-          </a:prstGeom>
-        </p:spPr>
-        <p:txBody>
-          <a:bodyPr vert="horz" lIns="91440" tIns="45720" rIns="91440" bIns="45720" rtlCol="0">
-            <a:normAutofit/>
-          </a:bodyPr>
-          <a:lstStyle>
-            <a:lvl1pPr marL="342900" indent="-342900" algn="l" defTabSz="457200" rtl="0" eaLnBrk="1" latinLnBrk="0" hangingPunct="1">
-              <a:spcBef>
-                <a:spcPts val="1000"/>
-              </a:spcBef>
-              <a:spcAft>
-                <a:spcPts val="0"/>
-              </a:spcAft>
-              <a:buClr>
-                <a:schemeClr val="accent1"/>
-              </a:buClr>
-              <a:buSzPct val="80000"/>
-              <a:buFont typeface="Wingdings 3" charset="2"/>
-              <a:buChar char=""/>
-              <a:defRPr sz="1800" kern="1200">
-                <a:solidFill>
-                  <a:schemeClr val="tx1">
-                    <a:lumMod val="75000"/>
-                    <a:lumOff val="25000"/>
-                  </a:schemeClr>
-                </a:solidFill>
-                <a:latin typeface="+mn-lt"/>
-                <a:ea typeface="+mn-ea"/>
-                <a:cs typeface="+mn-cs"/>
-              </a:defRPr>
-            </a:lvl1pPr>
-            <a:lvl2pPr marL="742950" indent="-285750" algn="l" defTabSz="457200" rtl="0" eaLnBrk="1" latinLnBrk="0" hangingPunct="1">
-              <a:spcBef>
-                <a:spcPts val="1000"/>
-              </a:spcBef>
-              <a:spcAft>
-                <a:spcPts val="0"/>
-              </a:spcAft>
-              <a:buClr>
-                <a:schemeClr val="accent1"/>
-              </a:buClr>
-              <a:buSzPct val="80000"/>
-              <a:buFont typeface="Wingdings 3" charset="2"/>
-              <a:buChar char=""/>
-              <a:defRPr sz="1600" kern="1200">
-                <a:solidFill>
-                  <a:schemeClr val="tx1">
-                    <a:lumMod val="75000"/>
-                    <a:lumOff val="25000"/>
-                  </a:schemeClr>
-                </a:solidFill>
-                <a:latin typeface="+mn-lt"/>
-                <a:ea typeface="+mn-ea"/>
-                <a:cs typeface="+mn-cs"/>
-              </a:defRPr>
-            </a:lvl2pPr>
-            <a:lvl3pPr marL="1143000" indent="-228600" algn="l" defTabSz="457200" rtl="0" eaLnBrk="1" latinLnBrk="0" hangingPunct="1">
-              <a:spcBef>
-                <a:spcPts val="1000"/>
-              </a:spcBef>
-              <a:spcAft>
-                <a:spcPts val="0"/>
-              </a:spcAft>
-              <a:buClr>
-                <a:schemeClr val="accent1"/>
-              </a:buClr>
-              <a:buSzPct val="80000"/>
-              <a:buFont typeface="Wingdings 3" charset="2"/>
-              <a:buChar char=""/>
-              <a:defRPr sz="1400" kern="1200">
-                <a:solidFill>
-                  <a:schemeClr val="tx1">
-                    <a:lumMod val="75000"/>
-                    <a:lumOff val="25000"/>
-                  </a:schemeClr>
-                </a:solidFill>
-                <a:latin typeface="+mn-lt"/>
-                <a:ea typeface="+mn-ea"/>
-                <a:cs typeface="+mn-cs"/>
-              </a:defRPr>
-            </a:lvl3pPr>
-            <a:lvl4pPr marL="1600200" indent="-228600" algn="l" defTabSz="457200" rtl="0" eaLnBrk="1" latinLnBrk="0" hangingPunct="1">
-              <a:spcBef>
-                <a:spcPts val="1000"/>
-              </a:spcBef>
-              <a:spcAft>
-                <a:spcPts val="0"/>
-              </a:spcAft>
-              <a:buClr>
-                <a:schemeClr val="accent1"/>
-              </a:buClr>
-              <a:buSzPct val="80000"/>
-              <a:buFont typeface="Wingdings 3" charset="2"/>
-              <a:buChar char=""/>
-              <a:defRPr sz="1200" kern="1200">
-                <a:solidFill>
-                  <a:schemeClr val="tx1">
-                    <a:lumMod val="75000"/>
-                    <a:lumOff val="25000"/>
-                  </a:schemeClr>
-                </a:solidFill>
-                <a:latin typeface="+mn-lt"/>
-                <a:ea typeface="+mn-ea"/>
-                <a:cs typeface="+mn-cs"/>
-              </a:defRPr>
-            </a:lvl4pPr>
-            <a:lvl5pPr marL="2057400" indent="-228600" algn="l" defTabSz="457200" rtl="0" eaLnBrk="1" latinLnBrk="0" hangingPunct="1">
-              <a:spcBef>
-                <a:spcPts val="1000"/>
-              </a:spcBef>
-              <a:spcAft>
-                <a:spcPts val="0"/>
-              </a:spcAft>
-              <a:buClr>
-                <a:schemeClr val="accent1"/>
-              </a:buClr>
-              <a:buSzPct val="80000"/>
-              <a:buFont typeface="Wingdings 3" charset="2"/>
-              <a:buChar char=""/>
-              <a:defRPr sz="1200" kern="1200">
-                <a:solidFill>
-                  <a:schemeClr val="tx1">
-                    <a:lumMod val="75000"/>
-                    <a:lumOff val="25000"/>
-                  </a:schemeClr>
-                </a:solidFill>
-                <a:latin typeface="+mn-lt"/>
-                <a:ea typeface="+mn-ea"/>
-                <a:cs typeface="+mn-cs"/>
-              </a:defRPr>
-            </a:lvl5pPr>
-            <a:lvl6pPr marL="2514600" indent="-228600" algn="l" defTabSz="457200" rtl="0" eaLnBrk="1" latinLnBrk="0" hangingPunct="1">
-              <a:spcBef>
-                <a:spcPts val="1000"/>
-              </a:spcBef>
-              <a:spcAft>
-                <a:spcPts val="0"/>
-              </a:spcAft>
-              <a:buClr>
-                <a:schemeClr val="accent1"/>
-              </a:buClr>
-              <a:buSzPct val="80000"/>
-              <a:buFont typeface="Wingdings 3" charset="2"/>
-              <a:buChar char=""/>
-              <a:defRPr sz="1200" kern="1200">
-                <a:solidFill>
-                  <a:schemeClr val="tx1">
-                    <a:lumMod val="75000"/>
-                    <a:lumOff val="25000"/>
-                  </a:schemeClr>
-                </a:solidFill>
-                <a:latin typeface="+mn-lt"/>
-                <a:ea typeface="+mn-ea"/>
-                <a:cs typeface="+mn-cs"/>
-              </a:defRPr>
-            </a:lvl6pPr>
-            <a:lvl7pPr marL="2971800" indent="-228600" algn="l" defTabSz="457200" rtl="0" eaLnBrk="1" latinLnBrk="0" hangingPunct="1">
-              <a:spcBef>
-                <a:spcPts val="1000"/>
-              </a:spcBef>
-              <a:spcAft>
-                <a:spcPts val="0"/>
-              </a:spcAft>
-              <a:buClr>
-                <a:schemeClr val="accent1"/>
-              </a:buClr>
-              <a:buSzPct val="80000"/>
-              <a:buFont typeface="Wingdings 3" charset="2"/>
-              <a:buChar char=""/>
-              <a:defRPr sz="1200" kern="1200">
-                <a:solidFill>
-                  <a:schemeClr val="tx1">
-                    <a:lumMod val="75000"/>
-                    <a:lumOff val="25000"/>
-                  </a:schemeClr>
-                </a:solidFill>
-                <a:latin typeface="+mn-lt"/>
-                <a:ea typeface="+mn-ea"/>
-                <a:cs typeface="+mn-cs"/>
-              </a:defRPr>
-            </a:lvl7pPr>
-            <a:lvl8pPr marL="3429000" indent="-228600" algn="l" defTabSz="457200" rtl="0" eaLnBrk="1" latinLnBrk="0" hangingPunct="1">
-              <a:spcBef>
-                <a:spcPts val="1000"/>
-              </a:spcBef>
-              <a:spcAft>
-                <a:spcPts val="0"/>
-              </a:spcAft>
-              <a:buClr>
-                <a:schemeClr val="accent1"/>
-              </a:buClr>
-              <a:buSzPct val="80000"/>
-              <a:buFont typeface="Wingdings 3" charset="2"/>
-              <a:buChar char=""/>
-              <a:defRPr sz="1200" kern="1200">
-                <a:solidFill>
-                  <a:schemeClr val="tx1">
-                    <a:lumMod val="75000"/>
-                    <a:lumOff val="25000"/>
-                  </a:schemeClr>
-                </a:solidFill>
-                <a:latin typeface="+mn-lt"/>
-                <a:ea typeface="+mn-ea"/>
-                <a:cs typeface="+mn-cs"/>
-              </a:defRPr>
-            </a:lvl8pPr>
-            <a:lvl9pPr marL="3886200" indent="-228600" algn="l" defTabSz="457200" rtl="0" eaLnBrk="1" latinLnBrk="0" hangingPunct="1">
-              <a:spcBef>
-                <a:spcPts val="1000"/>
-              </a:spcBef>
-              <a:spcAft>
-                <a:spcPts val="0"/>
-              </a:spcAft>
-              <a:buClr>
-                <a:schemeClr val="accent1"/>
-              </a:buClr>
-              <a:buSzPct val="80000"/>
-              <a:buFont typeface="Wingdings 3" charset="2"/>
-              <a:buChar char=""/>
-              <a:defRPr sz="1200" kern="1200">
-                <a:solidFill>
-                  <a:schemeClr val="tx1">
-                    <a:lumMod val="75000"/>
-                    <a:lumOff val="25000"/>
-                  </a:schemeClr>
-                </a:solidFill>
-                <a:latin typeface="+mn-lt"/>
-                <a:ea typeface="+mn-ea"/>
-                <a:cs typeface="+mn-cs"/>
-              </a:defRPr>
-            </a:lvl9pPr>
-          </a:lstStyle>
-          <a:p>
-            <a:r>
-              <a:rPr lang="en-US" sz="1600" dirty="0" smtClean="0"/>
-              <a:t>Join my f****** </a:t>
-            </a:r>
-            <a:r>
-              <a:rPr lang="en-US" sz="1600" dirty="0" err="1" smtClean="0"/>
-              <a:t>youtube</a:t>
-            </a:r>
-            <a:r>
-              <a:rPr lang="en-US" sz="1600" dirty="0" smtClean="0"/>
-              <a:t> channel for more details</a:t>
-            </a:r>
-          </a:p>
-          <a:p>
-            <a:endParaRPr lang="en-US" sz="1600" dirty="0" smtClean="0"/>
-          </a:p>
-        </p:txBody>
-      </p:sp>
-    </p:spTree>
-    <p:extLst>
-      <p:ext uri="{BB962C8B-B14F-4D97-AF65-F5344CB8AC3E}">
-        <p14:creationId xmlns:p14="http://schemas.microsoft.com/office/powerpoint/2010/main" val="742074570"/>
-      </p:ext>
-    </p:extLst>
-  </p:cSld>
-  <p:clrMapOvr>
-    <a:masterClrMapping/>
-  </p:clrMapOvr>
-  <p:timing>
-    <p:tnLst>
-      <p:par>
-        <p:cTn id="1" dur="indefinite" restart="never" nodeType="tmRoot"/>
-      </p:par>
-    </p:tnLst>
-  </p:timing>
-</p:sld>
-</file>
-
-<file path=ppt/slides/slide21.xml><?xml version="1.0" encoding="utf-8"?>
-<p:sld xmlns:a="http://schemas.openxmlformats.org/drawingml/2006/main" xmlns:r="http://schemas.openxmlformats.org/officeDocument/2006/relationships" xmlns:p="http://schemas.openxmlformats.org/presentationml/2006/main">
-  <p:cSld>
-    <p:spTree>
-      <p:nvGrpSpPr>
-        <p:cNvPr id="1" name=""/>
-        <p:cNvGrpSpPr/>
-        <p:nvPr/>
-      </p:nvGrpSpPr>
-      <p:grpSpPr>
-        <a:xfrm>
-          <a:off x="0" y="0"/>
-          <a:ext cx="0" cy="0"/>
-          <a:chOff x="0" y="0"/>
-          <a:chExt cx="0" cy="0"/>
-        </a:xfrm>
-      </p:grpSpPr>
-      <p:sp>
-        <p:nvSpPr>
-          <p:cNvPr id="2" name="Title 1"/>
-          <p:cNvSpPr>
-            <a:spLocks noGrp="1"/>
-          </p:cNvSpPr>
-          <p:nvPr>
-            <p:ph type="title"/>
-          </p:nvPr>
-        </p:nvSpPr>
-        <p:spPr>
-          <a:xfrm>
-            <a:off x="4296834" y="2362200"/>
-            <a:ext cx="8596668" cy="1320800"/>
-          </a:xfrm>
-        </p:spPr>
-        <p:txBody>
-          <a:bodyPr/>
-          <a:lstStyle/>
-          <a:p>
-            <a:r>
-              <a:rPr lang="en-US" dirty="0" err="1" smtClean="0"/>
-              <a:t>Manjan</a:t>
-            </a:r>
-            <a:r>
-              <a:rPr lang="en-US" dirty="0" smtClean="0"/>
-              <a:t> Sellers</a:t>
-            </a:r>
-            <a:endParaRPr lang="en-US" dirty="0"/>
-          </a:p>
-        </p:txBody>
-      </p:sp>
-      <p:sp>
-        <p:nvSpPr>
-          <p:cNvPr id="3" name="Content Placeholder 2"/>
-          <p:cNvSpPr>
-            <a:spLocks noGrp="1"/>
-          </p:cNvSpPr>
-          <p:nvPr>
-            <p:ph idx="1"/>
-          </p:nvPr>
-        </p:nvSpPr>
-        <p:spPr>
-          <a:xfrm>
-            <a:off x="677334" y="1270000"/>
-            <a:ext cx="8596668" cy="3880773"/>
-          </a:xfrm>
-        </p:spPr>
-        <p:txBody>
-          <a:bodyPr/>
-          <a:lstStyle/>
-          <a:p>
-            <a:endParaRPr lang="en-US" sz="1600" dirty="0" smtClean="0"/>
-          </a:p>
-          <a:p>
-            <a:endParaRPr lang="en-US" sz="1600" dirty="0" smtClean="0"/>
-          </a:p>
-        </p:txBody>
-      </p:sp>
-      <p:sp>
-        <p:nvSpPr>
-          <p:cNvPr id="6" name="Content Placeholder 2"/>
-          <p:cNvSpPr txBox="1">
-            <a:spLocks/>
-          </p:cNvSpPr>
-          <p:nvPr/>
-        </p:nvSpPr>
-        <p:spPr>
-          <a:xfrm>
-            <a:off x="3315759" y="3022600"/>
-            <a:ext cx="8596668" cy="3880773"/>
-          </a:xfrm>
-          <a:prstGeom prst="rect">
-            <a:avLst/>
-          </a:prstGeom>
-        </p:spPr>
-        <p:txBody>
-          <a:bodyPr vert="horz" lIns="91440" tIns="45720" rIns="91440" bIns="45720" rtlCol="0">
-            <a:normAutofit/>
-          </a:bodyPr>
-          <a:lstStyle>
-            <a:lvl1pPr marL="342900" indent="-342900" algn="l" defTabSz="457200" rtl="0" eaLnBrk="1" latinLnBrk="0" hangingPunct="1">
-              <a:spcBef>
-                <a:spcPts val="1000"/>
-              </a:spcBef>
-              <a:spcAft>
-                <a:spcPts val="0"/>
-              </a:spcAft>
-              <a:buClr>
-                <a:schemeClr val="accent1"/>
-              </a:buClr>
-              <a:buSzPct val="80000"/>
-              <a:buFont typeface="Wingdings 3" charset="2"/>
-              <a:buChar char=""/>
-              <a:defRPr sz="1800" kern="1200">
-                <a:solidFill>
-                  <a:schemeClr val="tx1">
-                    <a:lumMod val="75000"/>
-                    <a:lumOff val="25000"/>
-                  </a:schemeClr>
-                </a:solidFill>
-                <a:latin typeface="+mn-lt"/>
-                <a:ea typeface="+mn-ea"/>
-                <a:cs typeface="+mn-cs"/>
-              </a:defRPr>
-            </a:lvl1pPr>
-            <a:lvl2pPr marL="742950" indent="-285750" algn="l" defTabSz="457200" rtl="0" eaLnBrk="1" latinLnBrk="0" hangingPunct="1">
-              <a:spcBef>
-                <a:spcPts val="1000"/>
-              </a:spcBef>
-              <a:spcAft>
-                <a:spcPts val="0"/>
-              </a:spcAft>
-              <a:buClr>
-                <a:schemeClr val="accent1"/>
-              </a:buClr>
-              <a:buSzPct val="80000"/>
-              <a:buFont typeface="Wingdings 3" charset="2"/>
-              <a:buChar char=""/>
-              <a:defRPr sz="1600" kern="1200">
-                <a:solidFill>
-                  <a:schemeClr val="tx1">
-                    <a:lumMod val="75000"/>
-                    <a:lumOff val="25000"/>
-                  </a:schemeClr>
-                </a:solidFill>
-                <a:latin typeface="+mn-lt"/>
-                <a:ea typeface="+mn-ea"/>
-                <a:cs typeface="+mn-cs"/>
-              </a:defRPr>
-            </a:lvl2pPr>
-            <a:lvl3pPr marL="1143000" indent="-228600" algn="l" defTabSz="457200" rtl="0" eaLnBrk="1" latinLnBrk="0" hangingPunct="1">
-              <a:spcBef>
-                <a:spcPts val="1000"/>
-              </a:spcBef>
-              <a:spcAft>
-                <a:spcPts val="0"/>
-              </a:spcAft>
-              <a:buClr>
-                <a:schemeClr val="accent1"/>
-              </a:buClr>
-              <a:buSzPct val="80000"/>
-              <a:buFont typeface="Wingdings 3" charset="2"/>
-              <a:buChar char=""/>
-              <a:defRPr sz="1400" kern="1200">
-                <a:solidFill>
-                  <a:schemeClr val="tx1">
-                    <a:lumMod val="75000"/>
-                    <a:lumOff val="25000"/>
-                  </a:schemeClr>
-                </a:solidFill>
-                <a:latin typeface="+mn-lt"/>
-                <a:ea typeface="+mn-ea"/>
-                <a:cs typeface="+mn-cs"/>
-              </a:defRPr>
-            </a:lvl3pPr>
-            <a:lvl4pPr marL="1600200" indent="-228600" algn="l" defTabSz="457200" rtl="0" eaLnBrk="1" latinLnBrk="0" hangingPunct="1">
-              <a:spcBef>
-                <a:spcPts val="1000"/>
-              </a:spcBef>
-              <a:spcAft>
-                <a:spcPts val="0"/>
-              </a:spcAft>
-              <a:buClr>
-                <a:schemeClr val="accent1"/>
-              </a:buClr>
-              <a:buSzPct val="80000"/>
-              <a:buFont typeface="Wingdings 3" charset="2"/>
-              <a:buChar char=""/>
-              <a:defRPr sz="1200" kern="1200">
-                <a:solidFill>
-                  <a:schemeClr val="tx1">
-                    <a:lumMod val="75000"/>
-                    <a:lumOff val="25000"/>
-                  </a:schemeClr>
-                </a:solidFill>
-                <a:latin typeface="+mn-lt"/>
-                <a:ea typeface="+mn-ea"/>
-                <a:cs typeface="+mn-cs"/>
-              </a:defRPr>
-            </a:lvl4pPr>
-            <a:lvl5pPr marL="2057400" indent="-228600" algn="l" defTabSz="457200" rtl="0" eaLnBrk="1" latinLnBrk="0" hangingPunct="1">
-              <a:spcBef>
-                <a:spcPts val="1000"/>
-              </a:spcBef>
-              <a:spcAft>
-                <a:spcPts val="0"/>
-              </a:spcAft>
-              <a:buClr>
-                <a:schemeClr val="accent1"/>
-              </a:buClr>
-              <a:buSzPct val="80000"/>
-              <a:buFont typeface="Wingdings 3" charset="2"/>
-              <a:buChar char=""/>
-              <a:defRPr sz="1200" kern="1200">
-                <a:solidFill>
-                  <a:schemeClr val="tx1">
-                    <a:lumMod val="75000"/>
-                    <a:lumOff val="25000"/>
-                  </a:schemeClr>
-                </a:solidFill>
-                <a:latin typeface="+mn-lt"/>
-                <a:ea typeface="+mn-ea"/>
-                <a:cs typeface="+mn-cs"/>
-              </a:defRPr>
-            </a:lvl5pPr>
-            <a:lvl6pPr marL="2514600" indent="-228600" algn="l" defTabSz="457200" rtl="0" eaLnBrk="1" latinLnBrk="0" hangingPunct="1">
-              <a:spcBef>
-                <a:spcPts val="1000"/>
-              </a:spcBef>
-              <a:spcAft>
-                <a:spcPts val="0"/>
-              </a:spcAft>
-              <a:buClr>
-                <a:schemeClr val="accent1"/>
-              </a:buClr>
-              <a:buSzPct val="80000"/>
-              <a:buFont typeface="Wingdings 3" charset="2"/>
-              <a:buChar char=""/>
-              <a:defRPr sz="1200" kern="1200">
-                <a:solidFill>
-                  <a:schemeClr val="tx1">
-                    <a:lumMod val="75000"/>
-                    <a:lumOff val="25000"/>
-                  </a:schemeClr>
-                </a:solidFill>
-                <a:latin typeface="+mn-lt"/>
-                <a:ea typeface="+mn-ea"/>
-                <a:cs typeface="+mn-cs"/>
-              </a:defRPr>
-            </a:lvl6pPr>
-            <a:lvl7pPr marL="2971800" indent="-228600" algn="l" defTabSz="457200" rtl="0" eaLnBrk="1" latinLnBrk="0" hangingPunct="1">
-              <a:spcBef>
-                <a:spcPts val="1000"/>
-              </a:spcBef>
-              <a:spcAft>
-                <a:spcPts val="0"/>
-              </a:spcAft>
-              <a:buClr>
-                <a:schemeClr val="accent1"/>
-              </a:buClr>
-              <a:buSzPct val="80000"/>
-              <a:buFont typeface="Wingdings 3" charset="2"/>
-              <a:buChar char=""/>
-              <a:defRPr sz="1200" kern="1200">
-                <a:solidFill>
-                  <a:schemeClr val="tx1">
-                    <a:lumMod val="75000"/>
-                    <a:lumOff val="25000"/>
-                  </a:schemeClr>
-                </a:solidFill>
-                <a:latin typeface="+mn-lt"/>
-                <a:ea typeface="+mn-ea"/>
-                <a:cs typeface="+mn-cs"/>
-              </a:defRPr>
-            </a:lvl7pPr>
-            <a:lvl8pPr marL="3429000" indent="-228600" algn="l" defTabSz="457200" rtl="0" eaLnBrk="1" latinLnBrk="0" hangingPunct="1">
-              <a:spcBef>
-                <a:spcPts val="1000"/>
-              </a:spcBef>
-              <a:spcAft>
-                <a:spcPts val="0"/>
-              </a:spcAft>
-              <a:buClr>
-                <a:schemeClr val="accent1"/>
-              </a:buClr>
-              <a:buSzPct val="80000"/>
-              <a:buFont typeface="Wingdings 3" charset="2"/>
-              <a:buChar char=""/>
-              <a:defRPr sz="1200" kern="1200">
-                <a:solidFill>
-                  <a:schemeClr val="tx1">
-                    <a:lumMod val="75000"/>
-                    <a:lumOff val="25000"/>
-                  </a:schemeClr>
-                </a:solidFill>
-                <a:latin typeface="+mn-lt"/>
-                <a:ea typeface="+mn-ea"/>
-                <a:cs typeface="+mn-cs"/>
-              </a:defRPr>
-            </a:lvl8pPr>
-            <a:lvl9pPr marL="3886200" indent="-228600" algn="l" defTabSz="457200" rtl="0" eaLnBrk="1" latinLnBrk="0" hangingPunct="1">
-              <a:spcBef>
-                <a:spcPts val="1000"/>
-              </a:spcBef>
-              <a:spcAft>
-                <a:spcPts val="0"/>
-              </a:spcAft>
-              <a:buClr>
-                <a:schemeClr val="accent1"/>
-              </a:buClr>
-              <a:buSzPct val="80000"/>
-              <a:buFont typeface="Wingdings 3" charset="2"/>
-              <a:buChar char=""/>
-              <a:defRPr sz="1200" kern="1200">
-                <a:solidFill>
-                  <a:schemeClr val="tx1">
-                    <a:lumMod val="75000"/>
-                    <a:lumOff val="25000"/>
-                  </a:schemeClr>
-                </a:solidFill>
-                <a:latin typeface="+mn-lt"/>
-                <a:ea typeface="+mn-ea"/>
-                <a:cs typeface="+mn-cs"/>
-              </a:defRPr>
-            </a:lvl9pPr>
-          </a:lstStyle>
-          <a:p>
-            <a:r>
-              <a:rPr lang="en-US" sz="1600" dirty="0" smtClean="0"/>
-              <a:t>Join my f****** </a:t>
-            </a:r>
-            <a:r>
-              <a:rPr lang="en-US" sz="1600" dirty="0" err="1" smtClean="0"/>
-              <a:t>youtube</a:t>
-            </a:r>
-            <a:r>
-              <a:rPr lang="en-US" sz="1600" dirty="0" smtClean="0"/>
-              <a:t> channel for more details</a:t>
-            </a:r>
-          </a:p>
-          <a:p>
-            <a:endParaRPr lang="en-US" sz="1600" dirty="0" smtClean="0"/>
-          </a:p>
-        </p:txBody>
-      </p:sp>
-    </p:spTree>
-    <p:extLst>
-      <p:ext uri="{BB962C8B-B14F-4D97-AF65-F5344CB8AC3E}">
-        <p14:creationId xmlns:p14="http://schemas.microsoft.com/office/powerpoint/2010/main" val="284170382"/>
-      </p:ext>
-    </p:extLst>
-  </p:cSld>
-  <p:clrMapOvr>
-    <a:masterClrMapping/>
-  </p:clrMapOvr>
-  <p:timing>
-    <p:tnLst>
-      <p:par>
-        <p:cTn id="1" dur="indefinite" restart="never" nodeType="tmRoot"/>
-      </p:par>
-    </p:tnLst>
-  </p:timing>
-</p:sld>
-</file>
-
-<file path=ppt/slides/slide22.xml><?xml version="1.0" encoding="utf-8"?>
-<p:sld xmlns:a="http://schemas.openxmlformats.org/drawingml/2006/main" xmlns:r="http://schemas.openxmlformats.org/officeDocument/2006/relationships" xmlns:p="http://schemas.openxmlformats.org/presentationml/2006/main">
-  <p:cSld>
-    <p:spTree>
-      <p:nvGrpSpPr>
-        <p:cNvPr id="1" name=""/>
-        <p:cNvGrpSpPr/>
-        <p:nvPr/>
-      </p:nvGrpSpPr>
-      <p:grpSpPr>
-        <a:xfrm>
-          <a:off x="0" y="0"/>
-          <a:ext cx="0" cy="0"/>
-          <a:chOff x="0" y="0"/>
-          <a:chExt cx="0" cy="0"/>
-        </a:xfrm>
-      </p:grpSpPr>
-      <p:sp>
-        <p:nvSpPr>
-          <p:cNvPr id="2" name="Title 1"/>
-          <p:cNvSpPr>
-            <a:spLocks noGrp="1"/>
-          </p:cNvSpPr>
-          <p:nvPr>
-            <p:ph type="title"/>
-          </p:nvPr>
-        </p:nvSpPr>
         <p:spPr/>
         <p:txBody>
           <a:bodyPr/>
@@ -9956,7 +8388,7 @@
 </p:sld>
 </file>
 
-<file path=ppt/slides/slide23.xml><?xml version="1.0" encoding="utf-8"?>
+<file path=ppt/slides/slide19.xml><?xml version="1.0" encoding="utf-8"?>
 <p:sld xmlns:a="http://schemas.openxmlformats.org/drawingml/2006/main" xmlns:r="http://schemas.openxmlformats.org/officeDocument/2006/relationships" xmlns:p="http://schemas.openxmlformats.org/presentationml/2006/main">
   <p:cSld>
     <p:spTree>
@@ -10353,7 +8785,119 @@
 </p:sld>
 </file>
 
-<file path=ppt/slides/slide24.xml><?xml version="1.0" encoding="utf-8"?>
+<file path=ppt/slides/slide2.xml><?xml version="1.0" encoding="utf-8"?>
+<p:sld xmlns:a="http://schemas.openxmlformats.org/drawingml/2006/main" xmlns:r="http://schemas.openxmlformats.org/officeDocument/2006/relationships" xmlns:p="http://schemas.openxmlformats.org/presentationml/2006/main">
+  <p:cSld>
+    <p:spTree>
+      <p:nvGrpSpPr>
+        <p:cNvPr id="1" name=""/>
+        <p:cNvGrpSpPr/>
+        <p:nvPr/>
+      </p:nvGrpSpPr>
+      <p:grpSpPr>
+        <a:xfrm>
+          <a:off x="0" y="0"/>
+          <a:ext cx="0" cy="0"/>
+          <a:chOff x="0" y="0"/>
+          <a:chExt cx="0" cy="0"/>
+        </a:xfrm>
+      </p:grpSpPr>
+      <p:sp>
+        <p:nvSpPr>
+          <p:cNvPr id="2" name="Title 1"/>
+          <p:cNvSpPr>
+            <a:spLocks noGrp="1"/>
+          </p:cNvSpPr>
+          <p:nvPr>
+            <p:ph type="title"/>
+          </p:nvPr>
+        </p:nvSpPr>
+        <p:spPr/>
+        <p:txBody>
+          <a:bodyPr/>
+          <a:lstStyle/>
+          <a:p>
+            <a:r>
+              <a:rPr lang="en-US" dirty="0" smtClean="0"/>
+              <a:t>What is ASP.NET </a:t>
+            </a:r>
+            <a:r>
+              <a:rPr lang="en-US" dirty="0" err="1" smtClean="0"/>
+              <a:t>WebAPI</a:t>
+            </a:r>
+            <a:r>
+              <a:rPr lang="en-US" dirty="0" smtClean="0"/>
+              <a:t>?</a:t>
+            </a:r>
+            <a:endParaRPr lang="en-US" dirty="0"/>
+          </a:p>
+        </p:txBody>
+      </p:sp>
+      <p:sp>
+        <p:nvSpPr>
+          <p:cNvPr id="3" name="Content Placeholder 2"/>
+          <p:cNvSpPr>
+            <a:spLocks noGrp="1"/>
+          </p:cNvSpPr>
+          <p:nvPr>
+            <p:ph idx="1"/>
+          </p:nvPr>
+        </p:nvSpPr>
+        <p:spPr>
+          <a:xfrm>
+            <a:off x="677334" y="1270000"/>
+            <a:ext cx="8596668" cy="3880773"/>
+          </a:xfrm>
+        </p:spPr>
+        <p:txBody>
+          <a:bodyPr/>
+          <a:lstStyle/>
+          <a:p>
+            <a:r>
+              <a:rPr lang="en-US" dirty="0"/>
+              <a:t>The ASP.NET Web API is an extensible framework for building HTTP based services that can be accessed in different applications on different platforms such as web, windows, mobile etc.</a:t>
+            </a:r>
+          </a:p>
+        </p:txBody>
+      </p:sp>
+      <p:pic>
+        <p:nvPicPr>
+          <p:cNvPr id="4" name="Picture 3"/>
+          <p:cNvPicPr>
+            <a:picLocks noChangeAspect="1"/>
+          </p:cNvPicPr>
+          <p:nvPr/>
+        </p:nvPicPr>
+        <p:blipFill>
+          <a:blip r:embed="rId2"/>
+          <a:stretch>
+            <a:fillRect/>
+          </a:stretch>
+        </p:blipFill>
+        <p:spPr>
+          <a:xfrm>
+            <a:off x="1342524" y="2355182"/>
+            <a:ext cx="8801100" cy="4152900"/>
+          </a:xfrm>
+          <a:prstGeom prst="rect">
+            <a:avLst/>
+          </a:prstGeom>
+        </p:spPr>
+      </p:pic>
+    </p:spTree>
+    <p:extLst>
+      <p:ext uri="{BB962C8B-B14F-4D97-AF65-F5344CB8AC3E}">
+        <p14:creationId xmlns:p14="http://schemas.microsoft.com/office/powerpoint/2010/main" val="2073445692"/>
+      </p:ext>
+    </p:extLst>
+  </p:cSld>
+  <p:clrMapOvr>
+    <a:masterClrMapping/>
+  </p:clrMapOvr>
+</p:sld>
+</file>
+
+<file path=ppt/slides/slide20.xml><?xml version="1.0" encoding="utf-8"?>
 <p:sld xmlns:a="http://schemas.openxmlformats.org/drawingml/2006/main" xmlns:r="http://schemas.openxmlformats.org/officeDocument/2006/relationships" xmlns:p="http://schemas.openxmlformats.org/presentationml/2006/main">
   <p:cSld>
     <p:spTree>
@@ -10754,7 +9298,7 @@
 </p:sld>
 </file>
 
-<file path=ppt/slides/slide25.xml><?xml version="1.0" encoding="utf-8"?>
+<file path=ppt/slides/slide21.xml><?xml version="1.0" encoding="utf-8"?>
 <p:sld xmlns:a="http://schemas.openxmlformats.org/drawingml/2006/main" xmlns:r="http://schemas.openxmlformats.org/officeDocument/2006/relationships" xmlns:p="http://schemas.openxmlformats.org/presentationml/2006/main">
   <p:cSld>
     <p:spTree>
@@ -11045,12 +9589,9 @@
           <a:p>
             <a:r>
               <a:rPr lang="en-US" sz="1600" dirty="0"/>
-              <a:t>U</a:t>
-            </a:r>
-            <a:r>
-              <a:rPr lang="en-US" sz="1600" dirty="0" smtClean="0"/>
-              <a:t> -&gt; Update</a:t>
-            </a:r>
+              <a:t>https://github.com/HaseebAhmed49/TaskManagement-WebAPI</a:t>
+            </a:r>
+            <a:endParaRPr lang="en-US" sz="1600" dirty="0" smtClean="0"/>
           </a:p>
         </p:txBody>
       </p:sp>
@@ -11074,7 +9615,7 @@
 </p:sld>
 </file>
 
-<file path=ppt/slides/slide26.xml><?xml version="1.0" encoding="utf-8"?>
+<file path=ppt/slides/slide22.xml><?xml version="1.0" encoding="utf-8"?>
 <p:sld xmlns:a="http://schemas.openxmlformats.org/drawingml/2006/main" xmlns:r="http://schemas.openxmlformats.org/officeDocument/2006/relationships" xmlns:p="http://schemas.openxmlformats.org/presentationml/2006/main">
   <p:cSld>
     <p:spTree>
